--- a/images/image-source.pptx
+++ b/images/image-source.pptx
@@ -10,6 +10,7 @@
     <p:sldId id="258" r:id="rId4"/>
     <p:sldId id="259" r:id="rId5"/>
     <p:sldId id="260" r:id="rId6"/>
+    <p:sldId id="261" r:id="rId7"/>
   </p:sldIdLst>
   <p:sldSz cx="12192000" cy="6858000"/>
   <p:notesSz cx="6858000" cy="9144000"/>
@@ -172,7 +173,6 @@
               <a:rPr lang="ko-KR" altLang="en-US"/>
               <a:t>마스터 제목 스타일 편집</a:t>
             </a:r>
-            <a:endParaRPr lang="ko-KR" altLang="en-US"/>
           </a:p>
         </p:txBody>
       </p:sp>
@@ -237,7 +237,6 @@
               <a:rPr lang="ko-KR" altLang="en-US"/>
               <a:t>클릭하여 마스터 부제목 스타일 편집</a:t>
             </a:r>
-            <a:endParaRPr lang="ko-KR" altLang="en-US"/>
           </a:p>
         </p:txBody>
       </p:sp>
@@ -355,7 +354,6 @@
               <a:rPr lang="ko-KR" altLang="en-US"/>
               <a:t>마스터 제목 스타일 편집</a:t>
             </a:r>
-            <a:endParaRPr lang="ko-KR" altLang="en-US"/>
           </a:p>
         </p:txBody>
       </p:sp>
@@ -407,7 +405,6 @@
               <a:rPr lang="ko-KR" altLang="en-US"/>
               <a:t>다섯째 수준</a:t>
             </a:r>
-            <a:endParaRPr lang="ko-KR" altLang="en-US"/>
           </a:p>
         </p:txBody>
       </p:sp>
@@ -530,7 +527,6 @@
               <a:rPr lang="ko-KR" altLang="en-US"/>
               <a:t>마스터 제목 스타일 편집</a:t>
             </a:r>
-            <a:endParaRPr lang="ko-KR" altLang="en-US"/>
           </a:p>
         </p:txBody>
       </p:sp>
@@ -587,7 +583,6 @@
               <a:rPr lang="ko-KR" altLang="en-US"/>
               <a:t>다섯째 수준</a:t>
             </a:r>
-            <a:endParaRPr lang="ko-KR" altLang="en-US"/>
           </a:p>
         </p:txBody>
       </p:sp>
@@ -705,7 +700,6 @@
               <a:rPr lang="ko-KR" altLang="en-US"/>
               <a:t>마스터 제목 스타일 편집</a:t>
             </a:r>
-            <a:endParaRPr lang="ko-KR" altLang="en-US"/>
           </a:p>
         </p:txBody>
       </p:sp>
@@ -757,7 +751,6 @@
               <a:rPr lang="ko-KR" altLang="en-US"/>
               <a:t>다섯째 수준</a:t>
             </a:r>
-            <a:endParaRPr lang="ko-KR" altLang="en-US"/>
           </a:p>
         </p:txBody>
       </p:sp>
@@ -884,7 +877,6 @@
               <a:rPr lang="ko-KR" altLang="en-US"/>
               <a:t>마스터 제목 스타일 편집</a:t>
             </a:r>
-            <a:endParaRPr lang="ko-KR" altLang="en-US"/>
           </a:p>
         </p:txBody>
       </p:sp>
@@ -1121,7 +1113,6 @@
               <a:rPr lang="ko-KR" altLang="en-US"/>
               <a:t>마스터 제목 스타일 편집</a:t>
             </a:r>
-            <a:endParaRPr lang="ko-KR" altLang="en-US"/>
           </a:p>
         </p:txBody>
       </p:sp>
@@ -1178,7 +1169,6 @@
               <a:rPr lang="ko-KR" altLang="en-US"/>
               <a:t>다섯째 수준</a:t>
             </a:r>
-            <a:endParaRPr lang="ko-KR" altLang="en-US"/>
           </a:p>
         </p:txBody>
       </p:sp>
@@ -1235,7 +1225,6 @@
               <a:rPr lang="ko-KR" altLang="en-US"/>
               <a:t>다섯째 수준</a:t>
             </a:r>
-            <a:endParaRPr lang="ko-KR" altLang="en-US"/>
           </a:p>
         </p:txBody>
       </p:sp>
@@ -1358,7 +1347,6 @@
               <a:rPr lang="ko-KR" altLang="en-US"/>
               <a:t>마스터 제목 스타일 편집</a:t>
             </a:r>
-            <a:endParaRPr lang="ko-KR" altLang="en-US"/>
           </a:p>
         </p:txBody>
       </p:sp>
@@ -1480,7 +1468,6 @@
               <a:rPr lang="ko-KR" altLang="en-US"/>
               <a:t>다섯째 수준</a:t>
             </a:r>
-            <a:endParaRPr lang="ko-KR" altLang="en-US"/>
           </a:p>
         </p:txBody>
       </p:sp>
@@ -1602,7 +1589,6 @@
               <a:rPr lang="ko-KR" altLang="en-US"/>
               <a:t>다섯째 수준</a:t>
             </a:r>
-            <a:endParaRPr lang="ko-KR" altLang="en-US"/>
           </a:p>
         </p:txBody>
       </p:sp>
@@ -1720,7 +1706,6 @@
               <a:rPr lang="ko-KR" altLang="en-US"/>
               <a:t>마스터 제목 스타일 편집</a:t>
             </a:r>
-            <a:endParaRPr lang="ko-KR" altLang="en-US"/>
           </a:p>
         </p:txBody>
       </p:sp>
@@ -1942,7 +1927,6 @@
               <a:rPr lang="ko-KR" altLang="en-US"/>
               <a:t>마스터 제목 스타일 편집</a:t>
             </a:r>
-            <a:endParaRPr lang="ko-KR" altLang="en-US"/>
           </a:p>
         </p:txBody>
       </p:sp>
@@ -2027,7 +2011,6 @@
               <a:rPr lang="ko-KR" altLang="en-US"/>
               <a:t>다섯째 수준</a:t>
             </a:r>
-            <a:endParaRPr lang="ko-KR" altLang="en-US"/>
           </a:p>
         </p:txBody>
       </p:sp>
@@ -2219,7 +2202,6 @@
               <a:rPr lang="ko-KR" altLang="en-US"/>
               <a:t>마스터 제목 스타일 편집</a:t>
             </a:r>
-            <a:endParaRPr lang="ko-KR" altLang="en-US"/>
           </a:p>
         </p:txBody>
       </p:sp>
@@ -2478,7 +2460,6 @@
               <a:rPr lang="ko-KR" altLang="en-US"/>
               <a:t>마스터 제목 스타일 편집</a:t>
             </a:r>
-            <a:endParaRPr lang="ko-KR" altLang="en-US"/>
           </a:p>
         </p:txBody>
       </p:sp>
@@ -2540,7 +2521,6 @@
               <a:rPr lang="ko-KR" altLang="en-US"/>
               <a:t>다섯째 수준</a:t>
             </a:r>
-            <a:endParaRPr lang="ko-KR" altLang="en-US"/>
           </a:p>
         </p:txBody>
       </p:sp>
@@ -3071,11 +3051,6 @@
               </a:rPr>
               <a:t>창</a:t>
             </a:r>
-            <a:endParaRPr lang="ko-KR" altLang="en-US" dirty="0">
-              <a:solidFill>
-                <a:schemeClr val="tx1"/>
-              </a:solidFill>
-            </a:endParaRPr>
           </a:p>
         </p:txBody>
       </p:sp>
@@ -3196,11 +3171,6 @@
               </a:rPr>
               <a:t>창</a:t>
             </a:r>
-            <a:endParaRPr lang="ko-KR" altLang="en-US" dirty="0">
-              <a:solidFill>
-                <a:schemeClr val="tx1"/>
-              </a:solidFill>
-            </a:endParaRPr>
           </a:p>
         </p:txBody>
       </p:sp>
@@ -3261,11 +3231,6 @@
               </a:rPr>
               <a:t>창</a:t>
             </a:r>
-            <a:endParaRPr lang="ko-KR" altLang="en-US" dirty="0">
-              <a:solidFill>
-                <a:schemeClr val="tx1"/>
-              </a:solidFill>
-            </a:endParaRPr>
           </a:p>
         </p:txBody>
       </p:sp>
@@ -3386,11 +3351,6 @@
               </a:rPr>
               <a:t>창</a:t>
             </a:r>
-            <a:endParaRPr lang="ko-KR" altLang="en-US" dirty="0">
-              <a:solidFill>
-                <a:schemeClr val="tx1"/>
-              </a:solidFill>
-            </a:endParaRPr>
           </a:p>
         </p:txBody>
       </p:sp>
@@ -3413,6 +3373,11 @@
               <a:alpha val="30000"/>
             </a:schemeClr>
           </a:solidFill>
+          <a:ln>
+            <a:solidFill>
+              <a:schemeClr val="accent2"/>
+            </a:solidFill>
+          </a:ln>
         </p:spPr>
         <p:style>
           <a:lnRef idx="2">
@@ -3511,11 +3476,6 @@
               </a:rPr>
               <a:t>창</a:t>
             </a:r>
-            <a:endParaRPr lang="ko-KR" altLang="en-US" dirty="0">
-              <a:solidFill>
-                <a:schemeClr val="tx1"/>
-              </a:solidFill>
-            </a:endParaRPr>
           </a:p>
         </p:txBody>
       </p:sp>
@@ -3576,11 +3536,6 @@
               </a:rPr>
               <a:t>창</a:t>
             </a:r>
-            <a:endParaRPr lang="ko-KR" altLang="en-US" dirty="0">
-              <a:solidFill>
-                <a:schemeClr val="tx1"/>
-              </a:solidFill>
-            </a:endParaRPr>
           </a:p>
         </p:txBody>
       </p:sp>
@@ -3701,11 +3656,6 @@
               </a:rPr>
               <a:t>창</a:t>
             </a:r>
-            <a:endParaRPr lang="ko-KR" altLang="en-US" dirty="0">
-              <a:solidFill>
-                <a:schemeClr val="tx1"/>
-              </a:solidFill>
-            </a:endParaRPr>
           </a:p>
         </p:txBody>
       </p:sp>
@@ -3826,11 +3776,6 @@
               </a:rPr>
               <a:t>창</a:t>
             </a:r>
-            <a:endParaRPr lang="ko-KR" altLang="en-US" dirty="0">
-              <a:solidFill>
-                <a:schemeClr val="tx1"/>
-              </a:solidFill>
-            </a:endParaRPr>
           </a:p>
         </p:txBody>
       </p:sp>
@@ -3853,6 +3798,11 @@
               <a:alpha val="30000"/>
             </a:schemeClr>
           </a:solidFill>
+          <a:ln>
+            <a:solidFill>
+              <a:schemeClr val="accent2"/>
+            </a:solidFill>
+          </a:ln>
         </p:spPr>
         <p:style>
           <a:lnRef idx="2">
@@ -3891,11 +3841,6 @@
               </a:rPr>
               <a:t>창</a:t>
             </a:r>
-            <a:endParaRPr lang="ko-KR" altLang="en-US" dirty="0">
-              <a:solidFill>
-                <a:schemeClr val="tx1"/>
-              </a:solidFill>
-            </a:endParaRPr>
           </a:p>
         </p:txBody>
       </p:sp>
@@ -3978,6 +3923,11 @@
               <a:alpha val="30000"/>
             </a:schemeClr>
           </a:solidFill>
+          <a:ln>
+            <a:solidFill>
+              <a:schemeClr val="accent2"/>
+            </a:solidFill>
+          </a:ln>
         </p:spPr>
         <p:style>
           <a:lnRef idx="2">
@@ -4016,11 +3966,6 @@
               </a:rPr>
               <a:t>창</a:t>
             </a:r>
-            <a:endParaRPr lang="ko-KR" altLang="en-US" dirty="0">
-              <a:solidFill>
-                <a:schemeClr val="tx1"/>
-              </a:solidFill>
-            </a:endParaRPr>
           </a:p>
         </p:txBody>
       </p:sp>
@@ -4141,11 +4086,6 @@
               </a:rPr>
               <a:t>창</a:t>
             </a:r>
-            <a:endParaRPr lang="ko-KR" altLang="en-US" dirty="0">
-              <a:solidFill>
-                <a:schemeClr val="tx1"/>
-              </a:solidFill>
-            </a:endParaRPr>
           </a:p>
         </p:txBody>
       </p:sp>
@@ -4206,11 +4146,6 @@
               </a:rPr>
               <a:t>창</a:t>
             </a:r>
-            <a:endParaRPr lang="ko-KR" altLang="en-US" dirty="0">
-              <a:solidFill>
-                <a:schemeClr val="tx1"/>
-              </a:solidFill>
-            </a:endParaRPr>
           </a:p>
         </p:txBody>
       </p:sp>
@@ -4331,11 +4266,6 @@
               </a:rPr>
               <a:t>창</a:t>
             </a:r>
-            <a:endParaRPr lang="ko-KR" altLang="en-US" dirty="0">
-              <a:solidFill>
-                <a:schemeClr val="tx1"/>
-              </a:solidFill>
-            </a:endParaRPr>
           </a:p>
         </p:txBody>
       </p:sp>
@@ -4418,6 +4348,11 @@
               <a:alpha val="30000"/>
             </a:schemeClr>
           </a:solidFill>
+          <a:ln>
+            <a:solidFill>
+              <a:schemeClr val="accent2"/>
+            </a:solidFill>
+          </a:ln>
         </p:spPr>
         <p:style>
           <a:lnRef idx="2">
@@ -4456,11 +4391,6 @@
               </a:rPr>
               <a:t>창</a:t>
             </a:r>
-            <a:endParaRPr lang="ko-KR" altLang="en-US" dirty="0">
-              <a:solidFill>
-                <a:schemeClr val="tx1"/>
-              </a:solidFill>
-            </a:endParaRPr>
           </a:p>
         </p:txBody>
       </p:sp>
@@ -4521,6 +4451,114 @@
               </a:rPr>
               <a:t>창</a:t>
             </a:r>
+          </a:p>
+        </p:txBody>
+      </p:sp>
+    </p:spTree>
+    <p:extLst>
+      <p:ext uri="{BB962C8B-B14F-4D97-AF65-F5344CB8AC3E}">
+        <p14:creationId xmlns:p14="http://schemas.microsoft.com/office/powerpoint/2010/main" val="585932280"/>
+      </p:ext>
+    </p:extLst>
+  </p:cSld>
+  <p:clrMapOvr>
+    <a:masterClrMapping/>
+  </p:clrMapOvr>
+</p:sld>
+</file>
+
+<file path=ppt/slides/slide6.xml><?xml version="1.0" encoding="utf-8"?>
+<p:sld xmlns:a="http://schemas.openxmlformats.org/drawingml/2006/main" xmlns:r="http://schemas.openxmlformats.org/officeDocument/2006/relationships" xmlns:p="http://schemas.openxmlformats.org/presentationml/2006/main">
+  <p:cSld>
+    <p:spTree>
+      <p:nvGrpSpPr>
+        <p:cNvPr id="1" name=""/>
+        <p:cNvGrpSpPr/>
+        <p:nvPr/>
+      </p:nvGrpSpPr>
+      <p:grpSpPr>
+        <a:xfrm>
+          <a:off x="0" y="0"/>
+          <a:ext cx="0" cy="0"/>
+          <a:chOff x="0" y="0"/>
+          <a:chExt cx="0" cy="0"/>
+        </a:xfrm>
+      </p:grpSpPr>
+      <p:pic>
+        <p:nvPicPr>
+          <p:cNvPr id="4" name="그림 3"/>
+          <p:cNvPicPr>
+            <a:picLocks noChangeAspect="1"/>
+          </p:cNvPicPr>
+          <p:nvPr/>
+        </p:nvPicPr>
+        <p:blipFill rotWithShape="1">
+          <a:blip r:embed="rId2">
+            <a:extLst>
+              <a:ext uri="{28A0092B-C50C-407E-A947-70E740481C1C}">
+                <a14:useLocalDpi xmlns:a14="http://schemas.microsoft.com/office/drawing/2010/main" val="0"/>
+              </a:ext>
+            </a:extLst>
+          </a:blip>
+          <a:srcRect l="-1" t="52222" r="40925"/>
+          <a:stretch/>
+        </p:blipFill>
+        <p:spPr>
+          <a:xfrm>
+            <a:off x="933282" y="589660"/>
+            <a:ext cx="10129641" cy="5986329"/>
+          </a:xfrm>
+          <a:prstGeom prst="rect">
+            <a:avLst/>
+          </a:prstGeom>
+        </p:spPr>
+      </p:pic>
+      <p:sp>
+        <p:nvSpPr>
+          <p:cNvPr id="6" name="직사각형 5"/>
+          <p:cNvSpPr/>
+          <p:nvPr/>
+        </p:nvSpPr>
+        <p:spPr>
+          <a:xfrm>
+            <a:off x="1297606" y="1399671"/>
+            <a:ext cx="2137803" cy="377853"/>
+          </a:xfrm>
+          <a:prstGeom prst="rect">
+            <a:avLst/>
+          </a:prstGeom>
+          <a:solidFill>
+            <a:schemeClr val="accent2">
+              <a:alpha val="30000"/>
+            </a:schemeClr>
+          </a:solidFill>
+          <a:ln>
+            <a:solidFill>
+              <a:schemeClr val="accent2"/>
+            </a:solidFill>
+          </a:ln>
+        </p:spPr>
+        <p:style>
+          <a:lnRef idx="2">
+            <a:schemeClr val="accent1">
+              <a:shade val="50000"/>
+            </a:schemeClr>
+          </a:lnRef>
+          <a:fillRef idx="1">
+            <a:schemeClr val="accent1"/>
+          </a:fillRef>
+          <a:effectRef idx="0">
+            <a:schemeClr val="accent1"/>
+          </a:effectRef>
+          <a:fontRef idx="minor">
+            <a:schemeClr val="lt1"/>
+          </a:fontRef>
+        </p:style>
+        <p:txBody>
+          <a:bodyPr rtlCol="0" anchor="ctr"/>
+          <a:lstStyle/>
+          <a:p>
+            <a:pPr algn="ctr"/>
             <a:endParaRPr lang="ko-KR" altLang="en-US" dirty="0">
               <a:solidFill>
                 <a:schemeClr val="tx1"/>
@@ -4529,10 +4567,44 @@
           </a:p>
         </p:txBody>
       </p:sp>
+      <p:pic>
+        <p:nvPicPr>
+          <p:cNvPr id="8" name="그림 7"/>
+          <p:cNvPicPr>
+            <a:picLocks noChangeAspect="1"/>
+          </p:cNvPicPr>
+          <p:nvPr/>
+        </p:nvPicPr>
+        <p:blipFill rotWithShape="1">
+          <a:blip r:embed="rId2">
+            <a:extLst>
+              <a:ext uri="{28A0092B-C50C-407E-A947-70E740481C1C}">
+                <a14:useLocalDpi xmlns:a14="http://schemas.microsoft.com/office/drawing/2010/main" val="0"/>
+              </a:ext>
+            </a:extLst>
+          </a:blip>
+          <a:srcRect l="2136" t="58691" r="85765" b="38116"/>
+          <a:stretch/>
+        </p:blipFill>
+        <p:spPr>
+          <a:xfrm>
+            <a:off x="2228850" y="1958884"/>
+            <a:ext cx="4857750" cy="936715"/>
+          </a:xfrm>
+          <a:prstGeom prst="rect">
+            <a:avLst/>
+          </a:prstGeom>
+          <a:ln w="38100">
+            <a:solidFill>
+              <a:schemeClr val="accent2"/>
+            </a:solidFill>
+          </a:ln>
+        </p:spPr>
+      </p:pic>
     </p:spTree>
     <p:extLst>
       <p:ext uri="{BB962C8B-B14F-4D97-AF65-F5344CB8AC3E}">
-        <p14:creationId xmlns:p14="http://schemas.microsoft.com/office/powerpoint/2010/main" val="585932280"/>
+        <p14:creationId xmlns:p14="http://schemas.microsoft.com/office/powerpoint/2010/main" val="2991440697"/>
       </p:ext>
     </p:extLst>
   </p:cSld>

--- a/images/image-source.pptx
+++ b/images/image-source.pptx
@@ -11,6 +11,9 @@
     <p:sldId id="259" r:id="rId5"/>
     <p:sldId id="260" r:id="rId6"/>
     <p:sldId id="261" r:id="rId7"/>
+    <p:sldId id="262" r:id="rId8"/>
+    <p:sldId id="263" r:id="rId9"/>
+    <p:sldId id="264" r:id="rId10"/>
   </p:sldIdLst>
   <p:sldSz cx="12192000" cy="6858000"/>
   <p:notesSz cx="6858000" cy="9144000"/>
@@ -257,7 +260,7 @@
           <a:p>
             <a:fld id="{5AEDAD29-5430-4F9D-ADF7-A5E274566AD8}" type="datetimeFigureOut">
               <a:rPr lang="ko-KR" altLang="en-US" smtClean="0"/>
-              <a:t>2017-04-03</a:t>
+              <a:t>2017-04-05</a:t>
             </a:fld>
             <a:endParaRPr lang="ko-KR" altLang="en-US"/>
           </a:p>
@@ -425,7 +428,7 @@
           <a:p>
             <a:fld id="{5AEDAD29-5430-4F9D-ADF7-A5E274566AD8}" type="datetimeFigureOut">
               <a:rPr lang="ko-KR" altLang="en-US" smtClean="0"/>
-              <a:t>2017-04-03</a:t>
+              <a:t>2017-04-05</a:t>
             </a:fld>
             <a:endParaRPr lang="ko-KR" altLang="en-US"/>
           </a:p>
@@ -603,7 +606,7 @@
           <a:p>
             <a:fld id="{5AEDAD29-5430-4F9D-ADF7-A5E274566AD8}" type="datetimeFigureOut">
               <a:rPr lang="ko-KR" altLang="en-US" smtClean="0"/>
-              <a:t>2017-04-03</a:t>
+              <a:t>2017-04-05</a:t>
             </a:fld>
             <a:endParaRPr lang="ko-KR" altLang="en-US"/>
           </a:p>
@@ -771,7 +774,7 @@
           <a:p>
             <a:fld id="{5AEDAD29-5430-4F9D-ADF7-A5E274566AD8}" type="datetimeFigureOut">
               <a:rPr lang="ko-KR" altLang="en-US" smtClean="0"/>
-              <a:t>2017-04-03</a:t>
+              <a:t>2017-04-05</a:t>
             </a:fld>
             <a:endParaRPr lang="ko-KR" altLang="en-US"/>
           </a:p>
@@ -1016,7 +1019,7 @@
           <a:p>
             <a:fld id="{5AEDAD29-5430-4F9D-ADF7-A5E274566AD8}" type="datetimeFigureOut">
               <a:rPr lang="ko-KR" altLang="en-US" smtClean="0"/>
-              <a:t>2017-04-03</a:t>
+              <a:t>2017-04-05</a:t>
             </a:fld>
             <a:endParaRPr lang="ko-KR" altLang="en-US"/>
           </a:p>
@@ -1245,7 +1248,7 @@
           <a:p>
             <a:fld id="{5AEDAD29-5430-4F9D-ADF7-A5E274566AD8}" type="datetimeFigureOut">
               <a:rPr lang="ko-KR" altLang="en-US" smtClean="0"/>
-              <a:t>2017-04-03</a:t>
+              <a:t>2017-04-05</a:t>
             </a:fld>
             <a:endParaRPr lang="ko-KR" altLang="en-US"/>
           </a:p>
@@ -1609,7 +1612,7 @@
           <a:p>
             <a:fld id="{5AEDAD29-5430-4F9D-ADF7-A5E274566AD8}" type="datetimeFigureOut">
               <a:rPr lang="ko-KR" altLang="en-US" smtClean="0"/>
-              <a:t>2017-04-03</a:t>
+              <a:t>2017-04-05</a:t>
             </a:fld>
             <a:endParaRPr lang="ko-KR" altLang="en-US"/>
           </a:p>
@@ -1726,7 +1729,7 @@
           <a:p>
             <a:fld id="{5AEDAD29-5430-4F9D-ADF7-A5E274566AD8}" type="datetimeFigureOut">
               <a:rPr lang="ko-KR" altLang="en-US" smtClean="0"/>
-              <a:t>2017-04-03</a:t>
+              <a:t>2017-04-05</a:t>
             </a:fld>
             <a:endParaRPr lang="ko-KR" altLang="en-US"/>
           </a:p>
@@ -1821,7 +1824,7 @@
           <a:p>
             <a:fld id="{5AEDAD29-5430-4F9D-ADF7-A5E274566AD8}" type="datetimeFigureOut">
               <a:rPr lang="ko-KR" altLang="en-US" smtClean="0"/>
-              <a:t>2017-04-03</a:t>
+              <a:t>2017-04-05</a:t>
             </a:fld>
             <a:endParaRPr lang="ko-KR" altLang="en-US"/>
           </a:p>
@@ -2096,7 +2099,7 @@
           <a:p>
             <a:fld id="{5AEDAD29-5430-4F9D-ADF7-A5E274566AD8}" type="datetimeFigureOut">
               <a:rPr lang="ko-KR" altLang="en-US" smtClean="0"/>
-              <a:t>2017-04-03</a:t>
+              <a:t>2017-04-05</a:t>
             </a:fld>
             <a:endParaRPr lang="ko-KR" altLang="en-US"/>
           </a:p>
@@ -2348,7 +2351,7 @@
           <a:p>
             <a:fld id="{5AEDAD29-5430-4F9D-ADF7-A5E274566AD8}" type="datetimeFigureOut">
               <a:rPr lang="ko-KR" altLang="en-US" smtClean="0"/>
-              <a:t>2017-04-03</a:t>
+              <a:t>2017-04-05</a:t>
             </a:fld>
             <a:endParaRPr lang="ko-KR" altLang="en-US"/>
           </a:p>
@@ -2559,7 +2562,7 @@
           <a:p>
             <a:fld id="{5AEDAD29-5430-4F9D-ADF7-A5E274566AD8}" type="datetimeFigureOut">
               <a:rPr lang="ko-KR" altLang="en-US" smtClean="0"/>
-              <a:t>2017-04-03</a:t>
+              <a:t>2017-04-05</a:t>
             </a:fld>
             <a:endParaRPr lang="ko-KR" altLang="en-US"/>
           </a:p>
@@ -4614,6 +4617,382 @@
 </p:sld>
 </file>
 
+<file path=ppt/slides/slide7.xml><?xml version="1.0" encoding="utf-8"?>
+<p:sld xmlns:a="http://schemas.openxmlformats.org/drawingml/2006/main" xmlns:r="http://schemas.openxmlformats.org/officeDocument/2006/relationships" xmlns:p="http://schemas.openxmlformats.org/presentationml/2006/main">
+  <p:cSld>
+    <p:spTree>
+      <p:nvGrpSpPr>
+        <p:cNvPr id="1" name=""/>
+        <p:cNvGrpSpPr/>
+        <p:nvPr/>
+      </p:nvGrpSpPr>
+      <p:grpSpPr>
+        <a:xfrm>
+          <a:off x="0" y="0"/>
+          <a:ext cx="0" cy="0"/>
+          <a:chOff x="0" y="0"/>
+          <a:chExt cx="0" cy="0"/>
+        </a:xfrm>
+      </p:grpSpPr>
+      <p:pic>
+        <p:nvPicPr>
+          <p:cNvPr id="4" name="그림 3"/>
+          <p:cNvPicPr>
+            <a:picLocks noChangeAspect="1"/>
+          </p:cNvPicPr>
+          <p:nvPr/>
+        </p:nvPicPr>
+        <p:blipFill rotWithShape="1">
+          <a:blip r:embed="rId2"/>
+          <a:srcRect l="837" t="1043" r="1024" b="2231"/>
+          <a:stretch/>
+        </p:blipFill>
+        <p:spPr>
+          <a:xfrm>
+            <a:off x="2238998" y="905853"/>
+            <a:ext cx="6956277" cy="4922379"/>
+          </a:xfrm>
+          <a:prstGeom prst="rect">
+            <a:avLst/>
+          </a:prstGeom>
+        </p:spPr>
+      </p:pic>
+      <p:sp>
+        <p:nvSpPr>
+          <p:cNvPr id="5" name="직사각형 4"/>
+          <p:cNvSpPr/>
+          <p:nvPr/>
+        </p:nvSpPr>
+        <p:spPr>
+          <a:xfrm>
+            <a:off x="3801525" y="3613033"/>
+            <a:ext cx="2496725" cy="608589"/>
+          </a:xfrm>
+          <a:prstGeom prst="rect">
+            <a:avLst/>
+          </a:prstGeom>
+          <a:solidFill>
+            <a:schemeClr val="accent2">
+              <a:alpha val="30000"/>
+            </a:schemeClr>
+          </a:solidFill>
+          <a:ln>
+            <a:solidFill>
+              <a:schemeClr val="accent2"/>
+            </a:solidFill>
+          </a:ln>
+        </p:spPr>
+        <p:style>
+          <a:lnRef idx="2">
+            <a:schemeClr val="accent1">
+              <a:shade val="50000"/>
+            </a:schemeClr>
+          </a:lnRef>
+          <a:fillRef idx="1">
+            <a:schemeClr val="accent1"/>
+          </a:fillRef>
+          <a:effectRef idx="0">
+            <a:schemeClr val="accent1"/>
+          </a:effectRef>
+          <a:fontRef idx="minor">
+            <a:schemeClr val="lt1"/>
+          </a:fontRef>
+        </p:style>
+        <p:txBody>
+          <a:bodyPr rtlCol="0" anchor="ctr"/>
+          <a:lstStyle/>
+          <a:p>
+            <a:pPr algn="ctr"/>
+            <a:endParaRPr lang="ko-KR" altLang="en-US" dirty="0">
+              <a:solidFill>
+                <a:schemeClr val="tx1"/>
+              </a:solidFill>
+            </a:endParaRPr>
+          </a:p>
+        </p:txBody>
+      </p:sp>
+    </p:spTree>
+    <p:extLst>
+      <p:ext uri="{BB962C8B-B14F-4D97-AF65-F5344CB8AC3E}">
+        <p14:creationId xmlns:p14="http://schemas.microsoft.com/office/powerpoint/2010/main" val="811479303"/>
+      </p:ext>
+    </p:extLst>
+  </p:cSld>
+  <p:clrMapOvr>
+    <a:masterClrMapping/>
+  </p:clrMapOvr>
+</p:sld>
+</file>
+
+<file path=ppt/slides/slide8.xml><?xml version="1.0" encoding="utf-8"?>
+<p:sld xmlns:a="http://schemas.openxmlformats.org/drawingml/2006/main" xmlns:r="http://schemas.openxmlformats.org/officeDocument/2006/relationships" xmlns:p="http://schemas.openxmlformats.org/presentationml/2006/main">
+  <p:cSld>
+    <p:spTree>
+      <p:nvGrpSpPr>
+        <p:cNvPr id="1" name=""/>
+        <p:cNvGrpSpPr/>
+        <p:nvPr/>
+      </p:nvGrpSpPr>
+      <p:grpSpPr>
+        <a:xfrm>
+          <a:off x="0" y="0"/>
+          <a:ext cx="0" cy="0"/>
+          <a:chOff x="0" y="0"/>
+          <a:chExt cx="0" cy="0"/>
+        </a:xfrm>
+      </p:grpSpPr>
+      <p:pic>
+        <p:nvPicPr>
+          <p:cNvPr id="4" name="그림 3"/>
+          <p:cNvPicPr>
+            <a:picLocks noChangeAspect="1"/>
+          </p:cNvPicPr>
+          <p:nvPr/>
+        </p:nvPicPr>
+        <p:blipFill rotWithShape="1">
+          <a:blip r:embed="rId2"/>
+          <a:srcRect r="44130"/>
+          <a:stretch/>
+        </p:blipFill>
+        <p:spPr>
+          <a:xfrm>
+            <a:off x="1297714" y="612003"/>
+            <a:ext cx="2447925" cy="2276475"/>
+          </a:xfrm>
+          <a:prstGeom prst="rect">
+            <a:avLst/>
+          </a:prstGeom>
+        </p:spPr>
+      </p:pic>
+      <p:pic>
+        <p:nvPicPr>
+          <p:cNvPr id="5" name="그림 4"/>
+          <p:cNvPicPr>
+            <a:picLocks noChangeAspect="1"/>
+          </p:cNvPicPr>
+          <p:nvPr/>
+        </p:nvPicPr>
+        <p:blipFill>
+          <a:blip r:embed="rId3"/>
+          <a:stretch>
+            <a:fillRect/>
+          </a:stretch>
+        </p:blipFill>
+        <p:spPr>
+          <a:xfrm>
+            <a:off x="4096017" y="771524"/>
+            <a:ext cx="3400425" cy="1866900"/>
+          </a:xfrm>
+          <a:prstGeom prst="rect">
+            <a:avLst/>
+          </a:prstGeom>
+        </p:spPr>
+      </p:pic>
+      <p:pic>
+        <p:nvPicPr>
+          <p:cNvPr id="6" name="그림 5"/>
+          <p:cNvPicPr>
+            <a:picLocks noChangeAspect="1"/>
+          </p:cNvPicPr>
+          <p:nvPr/>
+        </p:nvPicPr>
+        <p:blipFill>
+          <a:blip r:embed="rId4"/>
+          <a:stretch>
+            <a:fillRect/>
+          </a:stretch>
+        </p:blipFill>
+        <p:spPr>
+          <a:xfrm>
+            <a:off x="4096017" y="4047413"/>
+            <a:ext cx="3419475" cy="1257300"/>
+          </a:xfrm>
+          <a:prstGeom prst="rect">
+            <a:avLst/>
+          </a:prstGeom>
+        </p:spPr>
+      </p:pic>
+      <p:sp>
+        <p:nvSpPr>
+          <p:cNvPr id="8" name="화살표: 굽음 7"/>
+          <p:cNvSpPr/>
+          <p:nvPr/>
+        </p:nvSpPr>
+        <p:spPr>
+          <a:xfrm rot="5400000">
+            <a:off x="8041593" y="1580972"/>
+            <a:ext cx="1264777" cy="1350235"/>
+          </a:xfrm>
+          <a:prstGeom prst="bentArrow">
+            <a:avLst>
+              <a:gd name="adj1" fmla="val 12838"/>
+              <a:gd name="adj2" fmla="val 18243"/>
+              <a:gd name="adj3" fmla="val 25000"/>
+              <a:gd name="adj4" fmla="val 43750"/>
+            </a:avLst>
+          </a:prstGeom>
+        </p:spPr>
+        <p:style>
+          <a:lnRef idx="2">
+            <a:schemeClr val="accent1">
+              <a:shade val="50000"/>
+            </a:schemeClr>
+          </a:lnRef>
+          <a:fillRef idx="1">
+            <a:schemeClr val="accent1"/>
+          </a:fillRef>
+          <a:effectRef idx="0">
+            <a:schemeClr val="accent1"/>
+          </a:effectRef>
+          <a:fontRef idx="minor">
+            <a:schemeClr val="lt1"/>
+          </a:fontRef>
+        </p:style>
+        <p:txBody>
+          <a:bodyPr rtlCol="0" anchor="ctr"/>
+          <a:lstStyle/>
+          <a:p>
+            <a:pPr algn="ctr"/>
+            <a:endParaRPr lang="ko-KR" altLang="en-US">
+              <a:solidFill>
+                <a:schemeClr val="tx1"/>
+              </a:solidFill>
+            </a:endParaRPr>
+          </a:p>
+        </p:txBody>
+      </p:sp>
+      <p:sp>
+        <p:nvSpPr>
+          <p:cNvPr id="10" name="TextBox 9"/>
+          <p:cNvSpPr txBox="1"/>
+          <p:nvPr/>
+        </p:nvSpPr>
+        <p:spPr>
+          <a:xfrm>
+            <a:off x="8586459" y="3035173"/>
+            <a:ext cx="1095172" cy="461665"/>
+          </a:xfrm>
+          <a:prstGeom prst="rect">
+            <a:avLst/>
+          </a:prstGeom>
+          <a:solidFill>
+            <a:srgbClr val="F7F7F7"/>
+          </a:solidFill>
+        </p:spPr>
+        <p:txBody>
+          <a:bodyPr wrap="none" rtlCol="0">
+            <a:spAutoFit/>
+          </a:bodyPr>
+          <a:lstStyle/>
+          <a:p>
+            <a:r>
+              <a:rPr lang="en-US" altLang="ko-KR" sz="2400" dirty="0" err="1"/>
+              <a:t>git</a:t>
+            </a:r>
+            <a:r>
+              <a:rPr lang="en-US" altLang="ko-KR" sz="2400" dirty="0"/>
+              <a:t> </a:t>
+            </a:r>
+            <a:r>
+              <a:rPr lang="en-US" altLang="ko-KR" sz="2400" dirty="0" err="1"/>
+              <a:t>init</a:t>
+            </a:r>
+            <a:endParaRPr lang="ko-KR" altLang="en-US" sz="2400" dirty="0"/>
+          </a:p>
+        </p:txBody>
+      </p:sp>
+      <p:sp>
+        <p:nvSpPr>
+          <p:cNvPr id="11" name="화살표: 굽음 10"/>
+          <p:cNvSpPr/>
+          <p:nvPr/>
+        </p:nvSpPr>
+        <p:spPr>
+          <a:xfrm rot="10800000">
+            <a:off x="7954071" y="3643534"/>
+            <a:ext cx="1264777" cy="1350235"/>
+          </a:xfrm>
+          <a:prstGeom prst="bentArrow">
+            <a:avLst>
+              <a:gd name="adj1" fmla="val 12838"/>
+              <a:gd name="adj2" fmla="val 18243"/>
+              <a:gd name="adj3" fmla="val 25000"/>
+              <a:gd name="adj4" fmla="val 43750"/>
+            </a:avLst>
+          </a:prstGeom>
+        </p:spPr>
+        <p:style>
+          <a:lnRef idx="2">
+            <a:schemeClr val="accent1">
+              <a:shade val="50000"/>
+            </a:schemeClr>
+          </a:lnRef>
+          <a:fillRef idx="1">
+            <a:schemeClr val="accent1"/>
+          </a:fillRef>
+          <a:effectRef idx="0">
+            <a:schemeClr val="accent1"/>
+          </a:effectRef>
+          <a:fontRef idx="minor">
+            <a:schemeClr val="lt1"/>
+          </a:fontRef>
+        </p:style>
+        <p:txBody>
+          <a:bodyPr rtlCol="0" anchor="ctr"/>
+          <a:lstStyle/>
+          <a:p>
+            <a:pPr algn="ctr"/>
+            <a:endParaRPr lang="ko-KR" altLang="en-US">
+              <a:solidFill>
+                <a:schemeClr val="tx1"/>
+              </a:solidFill>
+            </a:endParaRPr>
+          </a:p>
+        </p:txBody>
+      </p:sp>
+    </p:spTree>
+    <p:extLst>
+      <p:ext uri="{BB962C8B-B14F-4D97-AF65-F5344CB8AC3E}">
+        <p14:creationId xmlns:p14="http://schemas.microsoft.com/office/powerpoint/2010/main" val="550913169"/>
+      </p:ext>
+    </p:extLst>
+  </p:cSld>
+  <p:clrMapOvr>
+    <a:masterClrMapping/>
+  </p:clrMapOvr>
+</p:sld>
+</file>
+
+<file path=ppt/slides/slide9.xml><?xml version="1.0" encoding="utf-8"?>
+<p:sld xmlns:a="http://schemas.openxmlformats.org/drawingml/2006/main" xmlns:r="http://schemas.openxmlformats.org/officeDocument/2006/relationships" xmlns:p="http://schemas.openxmlformats.org/presentationml/2006/main">
+  <p:cSld>
+    <p:spTree>
+      <p:nvGrpSpPr>
+        <p:cNvPr id="1" name=""/>
+        <p:cNvGrpSpPr/>
+        <p:nvPr/>
+      </p:nvGrpSpPr>
+      <p:grpSpPr>
+        <a:xfrm>
+          <a:off x="0" y="0"/>
+          <a:ext cx="0" cy="0"/>
+          <a:chOff x="0" y="0"/>
+          <a:chExt cx="0" cy="0"/>
+        </a:xfrm>
+      </p:grpSpPr>
+    </p:spTree>
+    <p:extLst>
+      <p:ext uri="{BB962C8B-B14F-4D97-AF65-F5344CB8AC3E}">
+        <p14:creationId xmlns:p14="http://schemas.microsoft.com/office/powerpoint/2010/main" val="4056036429"/>
+      </p:ext>
+    </p:extLst>
+  </p:cSld>
+  <p:clrMapOvr>
+    <a:masterClrMapping/>
+  </p:clrMapOvr>
+</p:sld>
+</file>
+
 <file path=ppt/theme/theme1.xml><?xml version="1.0" encoding="utf-8"?>
 <a:theme xmlns:a="http://schemas.openxmlformats.org/drawingml/2006/main" name="Office 테마">
   <a:themeElements>

--- a/images/image-source.pptx
+++ b/images/image-source.pptx
@@ -260,7 +260,7 @@
           <a:p>
             <a:fld id="{5AEDAD29-5430-4F9D-ADF7-A5E274566AD8}" type="datetimeFigureOut">
               <a:rPr lang="ko-KR" altLang="en-US" smtClean="0"/>
-              <a:t>2017-04-05</a:t>
+              <a:t>2017-04-12</a:t>
             </a:fld>
             <a:endParaRPr lang="ko-KR" altLang="en-US"/>
           </a:p>
@@ -428,7 +428,7 @@
           <a:p>
             <a:fld id="{5AEDAD29-5430-4F9D-ADF7-A5E274566AD8}" type="datetimeFigureOut">
               <a:rPr lang="ko-KR" altLang="en-US" smtClean="0"/>
-              <a:t>2017-04-05</a:t>
+              <a:t>2017-04-12</a:t>
             </a:fld>
             <a:endParaRPr lang="ko-KR" altLang="en-US"/>
           </a:p>
@@ -606,7 +606,7 @@
           <a:p>
             <a:fld id="{5AEDAD29-5430-4F9D-ADF7-A5E274566AD8}" type="datetimeFigureOut">
               <a:rPr lang="ko-KR" altLang="en-US" smtClean="0"/>
-              <a:t>2017-04-05</a:t>
+              <a:t>2017-04-12</a:t>
             </a:fld>
             <a:endParaRPr lang="ko-KR" altLang="en-US"/>
           </a:p>
@@ -774,7 +774,7 @@
           <a:p>
             <a:fld id="{5AEDAD29-5430-4F9D-ADF7-A5E274566AD8}" type="datetimeFigureOut">
               <a:rPr lang="ko-KR" altLang="en-US" smtClean="0"/>
-              <a:t>2017-04-05</a:t>
+              <a:t>2017-04-12</a:t>
             </a:fld>
             <a:endParaRPr lang="ko-KR" altLang="en-US"/>
           </a:p>
@@ -1019,7 +1019,7 @@
           <a:p>
             <a:fld id="{5AEDAD29-5430-4F9D-ADF7-A5E274566AD8}" type="datetimeFigureOut">
               <a:rPr lang="ko-KR" altLang="en-US" smtClean="0"/>
-              <a:t>2017-04-05</a:t>
+              <a:t>2017-04-12</a:t>
             </a:fld>
             <a:endParaRPr lang="ko-KR" altLang="en-US"/>
           </a:p>
@@ -1248,7 +1248,7 @@
           <a:p>
             <a:fld id="{5AEDAD29-5430-4F9D-ADF7-A5E274566AD8}" type="datetimeFigureOut">
               <a:rPr lang="ko-KR" altLang="en-US" smtClean="0"/>
-              <a:t>2017-04-05</a:t>
+              <a:t>2017-04-12</a:t>
             </a:fld>
             <a:endParaRPr lang="ko-KR" altLang="en-US"/>
           </a:p>
@@ -1612,7 +1612,7 @@
           <a:p>
             <a:fld id="{5AEDAD29-5430-4F9D-ADF7-A5E274566AD8}" type="datetimeFigureOut">
               <a:rPr lang="ko-KR" altLang="en-US" smtClean="0"/>
-              <a:t>2017-04-05</a:t>
+              <a:t>2017-04-12</a:t>
             </a:fld>
             <a:endParaRPr lang="ko-KR" altLang="en-US"/>
           </a:p>
@@ -1729,7 +1729,7 @@
           <a:p>
             <a:fld id="{5AEDAD29-5430-4F9D-ADF7-A5E274566AD8}" type="datetimeFigureOut">
               <a:rPr lang="ko-KR" altLang="en-US" smtClean="0"/>
-              <a:t>2017-04-05</a:t>
+              <a:t>2017-04-12</a:t>
             </a:fld>
             <a:endParaRPr lang="ko-KR" altLang="en-US"/>
           </a:p>
@@ -1824,7 +1824,7 @@
           <a:p>
             <a:fld id="{5AEDAD29-5430-4F9D-ADF7-A5E274566AD8}" type="datetimeFigureOut">
               <a:rPr lang="ko-KR" altLang="en-US" smtClean="0"/>
-              <a:t>2017-04-05</a:t>
+              <a:t>2017-04-12</a:t>
             </a:fld>
             <a:endParaRPr lang="ko-KR" altLang="en-US"/>
           </a:p>
@@ -2099,7 +2099,7 @@
           <a:p>
             <a:fld id="{5AEDAD29-5430-4F9D-ADF7-A5E274566AD8}" type="datetimeFigureOut">
               <a:rPr lang="ko-KR" altLang="en-US" smtClean="0"/>
-              <a:t>2017-04-05</a:t>
+              <a:t>2017-04-12</a:t>
             </a:fld>
             <a:endParaRPr lang="ko-KR" altLang="en-US"/>
           </a:p>
@@ -2351,7 +2351,7 @@
           <a:p>
             <a:fld id="{5AEDAD29-5430-4F9D-ADF7-A5E274566AD8}" type="datetimeFigureOut">
               <a:rPr lang="ko-KR" altLang="en-US" smtClean="0"/>
-              <a:t>2017-04-05</a:t>
+              <a:t>2017-04-12</a:t>
             </a:fld>
             <a:endParaRPr lang="ko-KR" altLang="en-US"/>
           </a:p>
@@ -2562,7 +2562,7 @@
           <a:p>
             <a:fld id="{5AEDAD29-5430-4F9D-ADF7-A5E274566AD8}" type="datetimeFigureOut">
               <a:rPr lang="ko-KR" altLang="en-US" smtClean="0"/>
-              <a:t>2017-04-05</a:t>
+              <a:t>2017-04-12</a:t>
             </a:fld>
             <a:endParaRPr lang="ko-KR" altLang="en-US"/>
           </a:p>
@@ -4980,6 +4980,29 @@
           <a:chExt cx="0" cy="0"/>
         </a:xfrm>
       </p:grpSpPr>
+      <p:pic>
+        <p:nvPicPr>
+          <p:cNvPr id="2" name="그림 1"/>
+          <p:cNvPicPr>
+            <a:picLocks noChangeAspect="1"/>
+          </p:cNvPicPr>
+          <p:nvPr/>
+        </p:nvPicPr>
+        <p:blipFill rotWithShape="1">
+          <a:blip r:embed="rId2"/>
+          <a:srcRect t="8847" r="51797" b="61745"/>
+          <a:stretch/>
+        </p:blipFill>
+        <p:spPr>
+          <a:xfrm>
+            <a:off x="2845749" y="2281726"/>
+            <a:ext cx="5876925" cy="2016809"/>
+          </a:xfrm>
+          <a:prstGeom prst="rect">
+            <a:avLst/>
+          </a:prstGeom>
+        </p:spPr>
+      </p:pic>
     </p:spTree>
     <p:extLst>
       <p:ext uri="{BB962C8B-B14F-4D97-AF65-F5344CB8AC3E}">
